--- a/Presentation.pptx
+++ b/Presentation.pptx
@@ -10,9 +10,15 @@
     <p:sldId id="258" r:id="rId4"/>
     <p:sldId id="259" r:id="rId5"/>
     <p:sldId id="260" r:id="rId6"/>
-    <p:sldId id="261" r:id="rId7"/>
-    <p:sldId id="262" r:id="rId8"/>
-    <p:sldId id="263" r:id="rId9"/>
+    <p:sldId id="265" r:id="rId7"/>
+    <p:sldId id="261" r:id="rId8"/>
+    <p:sldId id="262" r:id="rId9"/>
+    <p:sldId id="263" r:id="rId10"/>
+    <p:sldId id="264" r:id="rId11"/>
+    <p:sldId id="267" r:id="rId12"/>
+    <p:sldId id="266" r:id="rId13"/>
+    <p:sldId id="268" r:id="rId14"/>
+    <p:sldId id="269" r:id="rId15"/>
   </p:sldIdLst>
   <p:sldSz cx="12192000" cy="6858000"/>
   <p:notesSz cx="6858000" cy="9144000"/>
@@ -3418,6 +3424,516 @@
 </p:sld>
 </file>
 
+<file path=ppt/slides/slide10.xml><?xml version="1.0" encoding="utf-8"?>
+<p:sld xmlns:a="http://schemas.openxmlformats.org/drawingml/2006/main" xmlns:r="http://schemas.openxmlformats.org/officeDocument/2006/relationships" xmlns:p="http://schemas.openxmlformats.org/presentationml/2006/main">
+  <p:cSld>
+    <p:spTree>
+      <p:nvGrpSpPr>
+        <p:cNvPr id="1" name=""/>
+        <p:cNvGrpSpPr/>
+        <p:nvPr/>
+      </p:nvGrpSpPr>
+      <p:grpSpPr>
+        <a:xfrm>
+          <a:off x="0" y="0"/>
+          <a:ext cx="0" cy="0"/>
+          <a:chOff x="0" y="0"/>
+          <a:chExt cx="0" cy="0"/>
+        </a:xfrm>
+      </p:grpSpPr>
+      <p:sp>
+        <p:nvSpPr>
+          <p:cNvPr id="2" name="Title 1">
+            <a:extLst>
+              <a:ext uri="{FF2B5EF4-FFF2-40B4-BE49-F238E27FC236}">
+                <a16:creationId xmlns:a16="http://schemas.microsoft.com/office/drawing/2014/main" id="{FDC7E76C-890E-3E17-297B-B788248D3FC9}"/>
+              </a:ext>
+            </a:extLst>
+          </p:cNvPr>
+          <p:cNvSpPr>
+            <a:spLocks noGrp="1"/>
+          </p:cNvSpPr>
+          <p:nvPr>
+            <p:ph type="title"/>
+          </p:nvPr>
+        </p:nvSpPr>
+        <p:spPr/>
+        <p:txBody>
+          <a:bodyPr/>
+          <a:lstStyle/>
+          <a:p>
+            <a:r>
+              <a:rPr lang="en-US" dirty="0"/>
+              <a:t>Training the Model</a:t>
+            </a:r>
+          </a:p>
+        </p:txBody>
+      </p:sp>
+      <p:sp>
+        <p:nvSpPr>
+          <p:cNvPr id="3" name="Content Placeholder 2">
+            <a:extLst>
+              <a:ext uri="{FF2B5EF4-FFF2-40B4-BE49-F238E27FC236}">
+                <a16:creationId xmlns:a16="http://schemas.microsoft.com/office/drawing/2014/main" id="{4397235E-D3C2-9764-559D-8B5083F15BC7}"/>
+              </a:ext>
+            </a:extLst>
+          </p:cNvPr>
+          <p:cNvSpPr>
+            <a:spLocks noGrp="1"/>
+          </p:cNvSpPr>
+          <p:nvPr>
+            <p:ph idx="1"/>
+          </p:nvPr>
+        </p:nvSpPr>
+        <p:spPr/>
+        <p:txBody>
+          <a:bodyPr/>
+          <a:lstStyle/>
+          <a:p>
+            <a:r>
+              <a:rPr lang="en-US" dirty="0"/>
+              <a:t>Loss function: binary cross entropy;</a:t>
+            </a:r>
+          </a:p>
+          <a:p>
+            <a:r>
+              <a:rPr lang="en-US" dirty="0"/>
+              <a:t>Parameters for words and types are updated with SPSA;</a:t>
+            </a:r>
+          </a:p>
+          <a:p>
+            <a:r>
+              <a:rPr lang="en-US" dirty="0"/>
+              <a:t>Circuit simulated with Jax/</a:t>
+            </a:r>
+            <a:r>
+              <a:rPr lang="en-US" dirty="0" err="1"/>
+              <a:t>tensornetworks</a:t>
+            </a:r>
+            <a:r>
+              <a:rPr lang="en-US" dirty="0"/>
+              <a:t> (inside </a:t>
+            </a:r>
+            <a:r>
+              <a:rPr lang="en-US" dirty="0" err="1"/>
+              <a:t>lambeq</a:t>
+            </a:r>
+            <a:r>
+              <a:rPr lang="en-US" dirty="0"/>
+              <a:t>).</a:t>
+            </a:r>
+          </a:p>
+          <a:p>
+            <a:endParaRPr lang="en-US" dirty="0"/>
+          </a:p>
+        </p:txBody>
+      </p:sp>
+    </p:spTree>
+    <p:extLst>
+      <p:ext uri="{BB962C8B-B14F-4D97-AF65-F5344CB8AC3E}">
+        <p14:creationId xmlns:p14="http://schemas.microsoft.com/office/powerpoint/2010/main" val="240414538"/>
+      </p:ext>
+    </p:extLst>
+  </p:cSld>
+  <p:clrMapOvr>
+    <a:masterClrMapping/>
+  </p:clrMapOvr>
+</p:sld>
+</file>
+
+<file path=ppt/slides/slide11.xml><?xml version="1.0" encoding="utf-8"?>
+<p:sld xmlns:a="http://schemas.openxmlformats.org/drawingml/2006/main" xmlns:r="http://schemas.openxmlformats.org/officeDocument/2006/relationships" xmlns:p="http://schemas.openxmlformats.org/presentationml/2006/main">
+  <p:cSld>
+    <p:spTree>
+      <p:nvGrpSpPr>
+        <p:cNvPr id="1" name=""/>
+        <p:cNvGrpSpPr/>
+        <p:nvPr/>
+      </p:nvGrpSpPr>
+      <p:grpSpPr>
+        <a:xfrm>
+          <a:off x="0" y="0"/>
+          <a:ext cx="0" cy="0"/>
+          <a:chOff x="0" y="0"/>
+          <a:chExt cx="0" cy="0"/>
+        </a:xfrm>
+      </p:grpSpPr>
+      <p:sp>
+        <p:nvSpPr>
+          <p:cNvPr id="2" name="Title 1">
+            <a:extLst>
+              <a:ext uri="{FF2B5EF4-FFF2-40B4-BE49-F238E27FC236}">
+                <a16:creationId xmlns:a16="http://schemas.microsoft.com/office/drawing/2014/main" id="{6D235ACA-4D56-E8C4-822D-B496CD922C6E}"/>
+              </a:ext>
+            </a:extLst>
+          </p:cNvPr>
+          <p:cNvSpPr>
+            <a:spLocks noGrp="1"/>
+          </p:cNvSpPr>
+          <p:nvPr>
+            <p:ph type="title"/>
+          </p:nvPr>
+        </p:nvSpPr>
+        <p:spPr/>
+        <p:txBody>
+          <a:bodyPr/>
+          <a:lstStyle/>
+          <a:p>
+            <a:r>
+              <a:rPr lang="en-US" dirty="0"/>
+              <a:t>Results: Full-Suite Preprocessed Data</a:t>
+            </a:r>
+          </a:p>
+        </p:txBody>
+      </p:sp>
+      <p:pic>
+        <p:nvPicPr>
+          <p:cNvPr id="8" name="Content Placeholder 7" descr="Chart&#10;&#10;Description automatically generated with medium confidence">
+            <a:extLst>
+              <a:ext uri="{FF2B5EF4-FFF2-40B4-BE49-F238E27FC236}">
+                <a16:creationId xmlns:a16="http://schemas.microsoft.com/office/drawing/2014/main" id="{D01F0267-0DAA-4FC8-8874-6D99ED58A527}"/>
+              </a:ext>
+            </a:extLst>
+          </p:cNvPr>
+          <p:cNvPicPr>
+            <a:picLocks noGrp="1" noChangeAspect="1"/>
+          </p:cNvPicPr>
+          <p:nvPr>
+            <p:ph idx="1"/>
+          </p:nvPr>
+        </p:nvPicPr>
+        <p:blipFill>
+          <a:blip r:embed="rId2"/>
+          <a:stretch>
+            <a:fillRect/>
+          </a:stretch>
+        </p:blipFill>
+        <p:spPr>
+          <a:xfrm>
+            <a:off x="2289816" y="1509940"/>
+            <a:ext cx="7395930" cy="4982935"/>
+          </a:xfrm>
+        </p:spPr>
+      </p:pic>
+    </p:spTree>
+    <p:extLst>
+      <p:ext uri="{BB962C8B-B14F-4D97-AF65-F5344CB8AC3E}">
+        <p14:creationId xmlns:p14="http://schemas.microsoft.com/office/powerpoint/2010/main" val="3211327128"/>
+      </p:ext>
+    </p:extLst>
+  </p:cSld>
+  <p:clrMapOvr>
+    <a:masterClrMapping/>
+  </p:clrMapOvr>
+</p:sld>
+</file>
+
+<file path=ppt/slides/slide12.xml><?xml version="1.0" encoding="utf-8"?>
+<p:sld xmlns:a="http://schemas.openxmlformats.org/drawingml/2006/main" xmlns:r="http://schemas.openxmlformats.org/officeDocument/2006/relationships" xmlns:p="http://schemas.openxmlformats.org/presentationml/2006/main">
+  <p:cSld>
+    <p:spTree>
+      <p:nvGrpSpPr>
+        <p:cNvPr id="1" name=""/>
+        <p:cNvGrpSpPr/>
+        <p:nvPr/>
+      </p:nvGrpSpPr>
+      <p:grpSpPr>
+        <a:xfrm>
+          <a:off x="0" y="0"/>
+          <a:ext cx="0" cy="0"/>
+          <a:chOff x="0" y="0"/>
+          <a:chExt cx="0" cy="0"/>
+        </a:xfrm>
+      </p:grpSpPr>
+      <p:sp>
+        <p:nvSpPr>
+          <p:cNvPr id="2" name="Title 1">
+            <a:extLst>
+              <a:ext uri="{FF2B5EF4-FFF2-40B4-BE49-F238E27FC236}">
+                <a16:creationId xmlns:a16="http://schemas.microsoft.com/office/drawing/2014/main" id="{1D4F2D87-14EB-DF80-0E1B-28D142A64ACF}"/>
+              </a:ext>
+            </a:extLst>
+          </p:cNvPr>
+          <p:cNvSpPr>
+            <a:spLocks noGrp="1"/>
+          </p:cNvSpPr>
+          <p:nvPr>
+            <p:ph type="title"/>
+          </p:nvPr>
+        </p:nvSpPr>
+        <p:spPr/>
+        <p:txBody>
+          <a:bodyPr/>
+          <a:lstStyle/>
+          <a:p>
+            <a:r>
+              <a:rPr lang="en-US" dirty="0"/>
+              <a:t>Results: Only Lemmatized Data</a:t>
+            </a:r>
+          </a:p>
+        </p:txBody>
+      </p:sp>
+      <p:pic>
+        <p:nvPicPr>
+          <p:cNvPr id="14" name="Content Placeholder 13" descr="Chart&#10;&#10;Description automatically generated">
+            <a:extLst>
+              <a:ext uri="{FF2B5EF4-FFF2-40B4-BE49-F238E27FC236}">
+                <a16:creationId xmlns:a16="http://schemas.microsoft.com/office/drawing/2014/main" id="{6EE3E686-2EFD-638E-7DC4-CA58A3CED0EB}"/>
+              </a:ext>
+            </a:extLst>
+          </p:cNvPr>
+          <p:cNvPicPr>
+            <a:picLocks noGrp="1" noChangeAspect="1"/>
+          </p:cNvPicPr>
+          <p:nvPr>
+            <p:ph idx="1"/>
+          </p:nvPr>
+        </p:nvPicPr>
+        <p:blipFill>
+          <a:blip r:embed="rId2"/>
+          <a:stretch>
+            <a:fillRect/>
+          </a:stretch>
+        </p:blipFill>
+        <p:spPr>
+          <a:xfrm>
+            <a:off x="1999436" y="1297919"/>
+            <a:ext cx="7710622" cy="5194956"/>
+          </a:xfrm>
+        </p:spPr>
+      </p:pic>
+    </p:spTree>
+    <p:extLst>
+      <p:ext uri="{BB962C8B-B14F-4D97-AF65-F5344CB8AC3E}">
+        <p14:creationId xmlns:p14="http://schemas.microsoft.com/office/powerpoint/2010/main" val="953408978"/>
+      </p:ext>
+    </p:extLst>
+  </p:cSld>
+  <p:clrMapOvr>
+    <a:masterClrMapping/>
+  </p:clrMapOvr>
+</p:sld>
+</file>
+
+<file path=ppt/slides/slide13.xml><?xml version="1.0" encoding="utf-8"?>
+<p:sld xmlns:a="http://schemas.openxmlformats.org/drawingml/2006/main" xmlns:r="http://schemas.openxmlformats.org/officeDocument/2006/relationships" xmlns:p="http://schemas.openxmlformats.org/presentationml/2006/main">
+  <p:cSld>
+    <p:spTree>
+      <p:nvGrpSpPr>
+        <p:cNvPr id="1" name=""/>
+        <p:cNvGrpSpPr/>
+        <p:nvPr/>
+      </p:nvGrpSpPr>
+      <p:grpSpPr>
+        <a:xfrm>
+          <a:off x="0" y="0"/>
+          <a:ext cx="0" cy="0"/>
+          <a:chOff x="0" y="0"/>
+          <a:chExt cx="0" cy="0"/>
+        </a:xfrm>
+      </p:grpSpPr>
+      <p:sp>
+        <p:nvSpPr>
+          <p:cNvPr id="2" name="Title 1">
+            <a:extLst>
+              <a:ext uri="{FF2B5EF4-FFF2-40B4-BE49-F238E27FC236}">
+                <a16:creationId xmlns:a16="http://schemas.microsoft.com/office/drawing/2014/main" id="{F12CC790-8BF9-093D-C906-8DAECBC915F4}"/>
+              </a:ext>
+            </a:extLst>
+          </p:cNvPr>
+          <p:cNvSpPr>
+            <a:spLocks noGrp="1"/>
+          </p:cNvSpPr>
+          <p:nvPr>
+            <p:ph type="title"/>
+          </p:nvPr>
+        </p:nvSpPr>
+        <p:spPr/>
+        <p:txBody>
+          <a:bodyPr/>
+          <a:lstStyle/>
+          <a:p>
+            <a:r>
+              <a:rPr lang="en-US" dirty="0"/>
+              <a:t>Results: No Stemming or Lemmatization</a:t>
+            </a:r>
+          </a:p>
+        </p:txBody>
+      </p:sp>
+      <p:pic>
+        <p:nvPicPr>
+          <p:cNvPr id="5" name="Content Placeholder 4" descr="Chart&#10;&#10;Description automatically generated">
+            <a:extLst>
+              <a:ext uri="{FF2B5EF4-FFF2-40B4-BE49-F238E27FC236}">
+                <a16:creationId xmlns:a16="http://schemas.microsoft.com/office/drawing/2014/main" id="{382004F8-C199-D24B-9EBB-A377B2DD52EB}"/>
+              </a:ext>
+            </a:extLst>
+          </p:cNvPr>
+          <p:cNvPicPr>
+            <a:picLocks noGrp="1" noChangeAspect="1"/>
+          </p:cNvPicPr>
+          <p:nvPr>
+            <p:ph idx="1"/>
+          </p:nvPr>
+        </p:nvPicPr>
+        <p:blipFill>
+          <a:blip r:embed="rId2"/>
+          <a:stretch>
+            <a:fillRect/>
+          </a:stretch>
+        </p:blipFill>
+        <p:spPr>
+          <a:xfrm>
+            <a:off x="2365070" y="1516517"/>
+            <a:ext cx="6947045" cy="4680503"/>
+          </a:xfrm>
+        </p:spPr>
+      </p:pic>
+    </p:spTree>
+    <p:extLst>
+      <p:ext uri="{BB962C8B-B14F-4D97-AF65-F5344CB8AC3E}">
+        <p14:creationId xmlns:p14="http://schemas.microsoft.com/office/powerpoint/2010/main" val="3461554307"/>
+      </p:ext>
+    </p:extLst>
+  </p:cSld>
+  <p:clrMapOvr>
+    <a:masterClrMapping/>
+  </p:clrMapOvr>
+</p:sld>
+</file>
+
+<file path=ppt/slides/slide14.xml><?xml version="1.0" encoding="utf-8"?>
+<p:sld xmlns:a="http://schemas.openxmlformats.org/drawingml/2006/main" xmlns:r="http://schemas.openxmlformats.org/officeDocument/2006/relationships" xmlns:p="http://schemas.openxmlformats.org/presentationml/2006/main">
+  <p:cSld>
+    <p:spTree>
+      <p:nvGrpSpPr>
+        <p:cNvPr id="1" name=""/>
+        <p:cNvGrpSpPr/>
+        <p:nvPr/>
+      </p:nvGrpSpPr>
+      <p:grpSpPr>
+        <a:xfrm>
+          <a:off x="0" y="0"/>
+          <a:ext cx="0" cy="0"/>
+          <a:chOff x="0" y="0"/>
+          <a:chExt cx="0" cy="0"/>
+        </a:xfrm>
+      </p:grpSpPr>
+      <p:sp>
+        <p:nvSpPr>
+          <p:cNvPr id="2" name="Title 1">
+            <a:extLst>
+              <a:ext uri="{FF2B5EF4-FFF2-40B4-BE49-F238E27FC236}">
+                <a16:creationId xmlns:a16="http://schemas.microsoft.com/office/drawing/2014/main" id="{84B5DFA3-334D-3C34-D5EF-71E5CA3F7656}"/>
+              </a:ext>
+            </a:extLst>
+          </p:cNvPr>
+          <p:cNvSpPr>
+            <a:spLocks noGrp="1"/>
+          </p:cNvSpPr>
+          <p:nvPr>
+            <p:ph type="title"/>
+          </p:nvPr>
+        </p:nvSpPr>
+        <p:spPr/>
+        <p:txBody>
+          <a:bodyPr/>
+          <a:lstStyle/>
+          <a:p>
+            <a:r>
+              <a:rPr lang="en-US" dirty="0"/>
+              <a:t>Results</a:t>
+            </a:r>
+          </a:p>
+        </p:txBody>
+      </p:sp>
+      <p:sp>
+        <p:nvSpPr>
+          <p:cNvPr id="3" name="Content Placeholder 2">
+            <a:extLst>
+              <a:ext uri="{FF2B5EF4-FFF2-40B4-BE49-F238E27FC236}">
+                <a16:creationId xmlns:a16="http://schemas.microsoft.com/office/drawing/2014/main" id="{E8A86751-560D-BCAD-C5D2-CCB33F9793B1}"/>
+              </a:ext>
+            </a:extLst>
+          </p:cNvPr>
+          <p:cNvSpPr>
+            <a:spLocks noGrp="1"/>
+          </p:cNvSpPr>
+          <p:nvPr>
+            <p:ph idx="1"/>
+          </p:nvPr>
+        </p:nvSpPr>
+        <p:spPr/>
+        <p:txBody>
+          <a:bodyPr/>
+          <a:lstStyle/>
+          <a:p>
+            <a:r>
+              <a:rPr lang="en-US" dirty="0"/>
+              <a:t>Size of training data severely impacted on our model performances on the validation set due to limited vocabulary in the training data -&gt; some (maybe most) word embeddings in the validation set are not trained;</a:t>
+            </a:r>
+          </a:p>
+          <a:p>
+            <a:r>
+              <a:rPr lang="en-US" dirty="0"/>
+              <a:t>Need to increase training data size;</a:t>
+            </a:r>
+          </a:p>
+          <a:p>
+            <a:r>
+              <a:rPr lang="en-US" dirty="0"/>
+              <a:t>Need to increase the speed of applying parameters to circuit in </a:t>
+            </a:r>
+            <a:r>
+              <a:rPr lang="en-US" dirty="0" err="1"/>
+              <a:t>lambeq</a:t>
+            </a:r>
+            <a:r>
+              <a:rPr lang="en-US"/>
+              <a:t>;</a:t>
+            </a:r>
+            <a:endParaRPr lang="en-US" dirty="0"/>
+          </a:p>
+          <a:p>
+            <a:r>
+              <a:rPr lang="en-US" dirty="0"/>
+              <a:t>Another future direction could be combining parsers (and types) from industry-grade NLP software, like </a:t>
+            </a:r>
+            <a:r>
+              <a:rPr lang="en-US" dirty="0" err="1"/>
+              <a:t>SpaCy</a:t>
+            </a:r>
+            <a:r>
+              <a:rPr lang="en-US" dirty="0"/>
+              <a:t>, with </a:t>
+            </a:r>
+            <a:r>
+              <a:rPr lang="en-US" dirty="0" err="1"/>
+              <a:t>lambeq</a:t>
+            </a:r>
+            <a:r>
+              <a:rPr lang="en-US" dirty="0"/>
+              <a:t>, to provide more accurate results.</a:t>
+            </a:r>
+          </a:p>
+          <a:p>
+            <a:endParaRPr lang="en-US" dirty="0"/>
+          </a:p>
+        </p:txBody>
+      </p:sp>
+    </p:spTree>
+    <p:extLst>
+      <p:ext uri="{BB962C8B-B14F-4D97-AF65-F5344CB8AC3E}">
+        <p14:creationId xmlns:p14="http://schemas.microsoft.com/office/powerpoint/2010/main" val="1220220694"/>
+      </p:ext>
+    </p:extLst>
+  </p:cSld>
+  <p:clrMapOvr>
+    <a:masterClrMapping/>
+  </p:clrMapOvr>
+</p:sld>
+</file>
+
 <file path=ppt/slides/slide2.xml><?xml version="1.0" encoding="utf-8"?>
 <p:sld xmlns:a="http://schemas.openxmlformats.org/drawingml/2006/main" xmlns:r="http://schemas.openxmlformats.org/officeDocument/2006/relationships" xmlns:p="http://schemas.openxmlformats.org/presentationml/2006/main">
   <p:cSld>
@@ -3968,7 +4484,7 @@
           <p:cNvPr id="2" name="Title 1">
             <a:extLst>
               <a:ext uri="{FF2B5EF4-FFF2-40B4-BE49-F238E27FC236}">
-                <a16:creationId xmlns:a16="http://schemas.microsoft.com/office/drawing/2014/main" id="{92967139-EA0C-0D14-70C8-79F1F170EF0F}"/>
+                <a16:creationId xmlns:a16="http://schemas.microsoft.com/office/drawing/2014/main" id="{85D7C690-3D72-08A2-2B22-2600FFBF5ECA}"/>
               </a:ext>
             </a:extLst>
           </p:cNvPr>
@@ -3986,66 +4502,74 @@
           <a:p>
             <a:r>
               <a:rPr lang="en-US" dirty="0"/>
-              <a:t>Diagrams to Circuits</a:t>
-            </a:r>
-          </a:p>
-        </p:txBody>
-      </p:sp>
-      <p:sp>
-        <p:nvSpPr>
-          <p:cNvPr id="3" name="Content Placeholder 2">
-            <a:extLst>
-              <a:ext uri="{FF2B5EF4-FFF2-40B4-BE49-F238E27FC236}">
-                <a16:creationId xmlns:a16="http://schemas.microsoft.com/office/drawing/2014/main" id="{42C2BCE0-3069-5D2B-B8C7-0A732D9415EE}"/>
-              </a:ext>
-            </a:extLst>
-          </p:cNvPr>
-          <p:cNvSpPr>
-            <a:spLocks noGrp="1"/>
-          </p:cNvSpPr>
+              <a:t>Stemming Can Change Parsing</a:t>
+            </a:r>
+          </a:p>
+        </p:txBody>
+      </p:sp>
+      <p:pic>
+        <p:nvPicPr>
+          <p:cNvPr id="5" name="Content Placeholder 4" descr="Diagram&#10;&#10;Description automatically generated">
+            <a:extLst>
+              <a:ext uri="{FF2B5EF4-FFF2-40B4-BE49-F238E27FC236}">
+                <a16:creationId xmlns:a16="http://schemas.microsoft.com/office/drawing/2014/main" id="{CA21E05F-38DC-790B-7726-979B0A53027B}"/>
+              </a:ext>
+            </a:extLst>
+          </p:cNvPr>
+          <p:cNvPicPr>
+            <a:picLocks noGrp="1" noChangeAspect="1"/>
+          </p:cNvPicPr>
           <p:nvPr>
             <p:ph idx="1"/>
           </p:nvPr>
-        </p:nvSpPr>
-        <p:spPr/>
-        <p:txBody>
-          <a:bodyPr/>
-          <a:lstStyle/>
-          <a:p>
-            <a:r>
-              <a:rPr lang="en-US" dirty="0"/>
-              <a:t>We assign one qubit for each of these following types in </a:t>
-            </a:r>
-            <a:r>
-              <a:rPr lang="en-US" dirty="0" err="1"/>
-              <a:t>lambeq</a:t>
-            </a:r>
-            <a:r>
-              <a:rPr lang="en-US" dirty="0"/>
-              <a:t>. </a:t>
-            </a:r>
-            <a:r>
-              <a:rPr lang="en-US" dirty="0" err="1"/>
-              <a:t>AtomicType</a:t>
-            </a:r>
-            <a:r>
-              <a:rPr lang="en-US" dirty="0"/>
-              <a:t>, and then apply the IQP ansatz</a:t>
-            </a:r>
-          </a:p>
-          <a:p>
-            <a:pPr lvl="1"/>
-            <a:r>
-              <a:rPr lang="en-US" dirty="0"/>
-              <a:t>NOUN, SENTENCE, PREPOSITIONAL_PHRASE, NOUN_PHRASE, CONJUNCTION</a:t>
-            </a:r>
-          </a:p>
-        </p:txBody>
-      </p:sp>
+        </p:nvPicPr>
+        <p:blipFill>
+          <a:blip r:embed="rId2"/>
+          <a:stretch>
+            <a:fillRect/>
+          </a:stretch>
+        </p:blipFill>
+        <p:spPr>
+          <a:xfrm>
+            <a:off x="419810" y="1958291"/>
+            <a:ext cx="5791200" cy="4254500"/>
+          </a:xfrm>
+        </p:spPr>
+      </p:pic>
+      <p:pic>
+        <p:nvPicPr>
+          <p:cNvPr id="7" name="Picture 6" descr="Diagram&#10;&#10;Description automatically generated">
+            <a:extLst>
+              <a:ext uri="{FF2B5EF4-FFF2-40B4-BE49-F238E27FC236}">
+                <a16:creationId xmlns:a16="http://schemas.microsoft.com/office/drawing/2014/main" id="{FFEB85AF-BC9A-0CB5-D8BA-0890FD2C807D}"/>
+              </a:ext>
+            </a:extLst>
+          </p:cNvPr>
+          <p:cNvPicPr>
+            <a:picLocks noChangeAspect="1"/>
+          </p:cNvPicPr>
+          <p:nvPr/>
+        </p:nvPicPr>
+        <p:blipFill>
+          <a:blip r:embed="rId3"/>
+          <a:stretch>
+            <a:fillRect/>
+          </a:stretch>
+        </p:blipFill>
+        <p:spPr>
+          <a:xfrm>
+            <a:off x="6096000" y="1920191"/>
+            <a:ext cx="5537200" cy="4330700"/>
+          </a:xfrm>
+          <a:prstGeom prst="rect">
+            <a:avLst/>
+          </a:prstGeom>
+        </p:spPr>
+      </p:pic>
     </p:spTree>
     <p:extLst>
       <p:ext uri="{BB962C8B-B14F-4D97-AF65-F5344CB8AC3E}">
-        <p14:creationId xmlns:p14="http://schemas.microsoft.com/office/powerpoint/2010/main" val="2046669558"/>
+        <p14:creationId xmlns:p14="http://schemas.microsoft.com/office/powerpoint/2010/main" val="1106447787"/>
       </p:ext>
     </p:extLst>
   </p:cSld>
@@ -4072,6 +4596,115 @@
           <a:chExt cx="0" cy="0"/>
         </a:xfrm>
       </p:grpSpPr>
+      <p:sp>
+        <p:nvSpPr>
+          <p:cNvPr id="2" name="Title 1">
+            <a:extLst>
+              <a:ext uri="{FF2B5EF4-FFF2-40B4-BE49-F238E27FC236}">
+                <a16:creationId xmlns:a16="http://schemas.microsoft.com/office/drawing/2014/main" id="{92967139-EA0C-0D14-70C8-79F1F170EF0F}"/>
+              </a:ext>
+            </a:extLst>
+          </p:cNvPr>
+          <p:cNvSpPr>
+            <a:spLocks noGrp="1"/>
+          </p:cNvSpPr>
+          <p:nvPr>
+            <p:ph type="title"/>
+          </p:nvPr>
+        </p:nvSpPr>
+        <p:spPr/>
+        <p:txBody>
+          <a:bodyPr/>
+          <a:lstStyle/>
+          <a:p>
+            <a:r>
+              <a:rPr lang="en-US" dirty="0"/>
+              <a:t>Diagrams to Circuits</a:t>
+            </a:r>
+          </a:p>
+        </p:txBody>
+      </p:sp>
+      <p:sp>
+        <p:nvSpPr>
+          <p:cNvPr id="3" name="Content Placeholder 2">
+            <a:extLst>
+              <a:ext uri="{FF2B5EF4-FFF2-40B4-BE49-F238E27FC236}">
+                <a16:creationId xmlns:a16="http://schemas.microsoft.com/office/drawing/2014/main" id="{42C2BCE0-3069-5D2B-B8C7-0A732D9415EE}"/>
+              </a:ext>
+            </a:extLst>
+          </p:cNvPr>
+          <p:cNvSpPr>
+            <a:spLocks noGrp="1"/>
+          </p:cNvSpPr>
+          <p:nvPr>
+            <p:ph idx="1"/>
+          </p:nvPr>
+        </p:nvSpPr>
+        <p:spPr/>
+        <p:txBody>
+          <a:bodyPr/>
+          <a:lstStyle/>
+          <a:p>
+            <a:r>
+              <a:rPr lang="en-US" dirty="0"/>
+              <a:t>We assign one qubit for each of these following types in </a:t>
+            </a:r>
+            <a:r>
+              <a:rPr lang="en-US" dirty="0" err="1"/>
+              <a:t>lambeq</a:t>
+            </a:r>
+            <a:r>
+              <a:rPr lang="en-US" dirty="0"/>
+              <a:t>. </a:t>
+            </a:r>
+            <a:r>
+              <a:rPr lang="en-US" dirty="0" err="1"/>
+              <a:t>AtomicType</a:t>
+            </a:r>
+            <a:r>
+              <a:rPr lang="en-US" dirty="0"/>
+              <a:t>, and then apply the IQP ansatz</a:t>
+            </a:r>
+          </a:p>
+          <a:p>
+            <a:pPr lvl="1"/>
+            <a:r>
+              <a:rPr lang="en-US" dirty="0"/>
+              <a:t>NOUN, SENTENCE, PREPOSITIONAL_PHRASE, NOUN_PHRASE, CONJUNCTION</a:t>
+            </a:r>
+          </a:p>
+        </p:txBody>
+      </p:sp>
+    </p:spTree>
+    <p:extLst>
+      <p:ext uri="{BB962C8B-B14F-4D97-AF65-F5344CB8AC3E}">
+        <p14:creationId xmlns:p14="http://schemas.microsoft.com/office/powerpoint/2010/main" val="2046669558"/>
+      </p:ext>
+    </p:extLst>
+  </p:cSld>
+  <p:clrMapOvr>
+    <a:masterClrMapping/>
+  </p:clrMapOvr>
+</p:sld>
+</file>
+
+<file path=ppt/slides/slide8.xml><?xml version="1.0" encoding="utf-8"?>
+<p:sld xmlns:a="http://schemas.openxmlformats.org/drawingml/2006/main" xmlns:r="http://schemas.openxmlformats.org/officeDocument/2006/relationships" xmlns:p="http://schemas.openxmlformats.org/presentationml/2006/main">
+  <p:cSld>
+    <p:spTree>
+      <p:nvGrpSpPr>
+        <p:cNvPr id="1" name=""/>
+        <p:cNvGrpSpPr/>
+        <p:nvPr/>
+      </p:nvGrpSpPr>
+      <p:grpSpPr>
+        <a:xfrm>
+          <a:off x="0" y="0"/>
+          <a:ext cx="0" cy="0"/>
+          <a:chOff x="0" y="0"/>
+          <a:chExt cx="0" cy="0"/>
+        </a:xfrm>
+      </p:grpSpPr>
       <p:pic>
         <p:nvPicPr>
           <p:cNvPr id="5" name="Content Placeholder 4" descr="Diagram, schematic&#10;&#10;Description automatically generated">
@@ -4173,7 +4806,7 @@
 </p:sld>
 </file>
 
-<file path=ppt/slides/slide8.xml><?xml version="1.0" encoding="utf-8"?>
+<file path=ppt/slides/slide9.xml><?xml version="1.0" encoding="utf-8"?>
 <p:sld xmlns:a="http://schemas.openxmlformats.org/drawingml/2006/main" xmlns:r="http://schemas.openxmlformats.org/officeDocument/2006/relationships" xmlns:p="http://schemas.openxmlformats.org/presentationml/2006/main">
   <p:cSld>
     <p:spTree>

--- a/Presentation.pptx
+++ b/Presentation.pptx
@@ -117,6 +117,11 @@
       </a:defRPr>
     </a:lvl9pPr>
   </p:defaultTextStyle>
+  <p:extLst>
+    <p:ext uri="{EFAFB233-063F-42B5-8137-9DF3F51BA10A}">
+      <p15:sldGuideLst xmlns:p15="http://schemas.microsoft.com/office/powerpoint/2012/main"/>
+    </p:ext>
+  </p:extLst>
 </p:presentation>
 </file>
 
@@ -269,7 +274,7 @@
           <a:p>
             <a:fld id="{2A08BEE5-79B0-F340-B6F2-0E83A35FAEDF}" type="datetimeFigureOut">
               <a:rPr lang="en-US" smtClean="0"/>
-              <a:t>7/7/22</a:t>
+              <a:t>7/7/2022</a:t>
             </a:fld>
             <a:endParaRPr lang="en-US"/>
           </a:p>
@@ -469,7 +474,7 @@
           <a:p>
             <a:fld id="{2A08BEE5-79B0-F340-B6F2-0E83A35FAEDF}" type="datetimeFigureOut">
               <a:rPr lang="en-US" smtClean="0"/>
-              <a:t>7/7/22</a:t>
+              <a:t>7/7/2022</a:t>
             </a:fld>
             <a:endParaRPr lang="en-US"/>
           </a:p>
@@ -679,7 +684,7 @@
           <a:p>
             <a:fld id="{2A08BEE5-79B0-F340-B6F2-0E83A35FAEDF}" type="datetimeFigureOut">
               <a:rPr lang="en-US" smtClean="0"/>
-              <a:t>7/7/22</a:t>
+              <a:t>7/7/2022</a:t>
             </a:fld>
             <a:endParaRPr lang="en-US"/>
           </a:p>
@@ -879,7 +884,7 @@
           <a:p>
             <a:fld id="{2A08BEE5-79B0-F340-B6F2-0E83A35FAEDF}" type="datetimeFigureOut">
               <a:rPr lang="en-US" smtClean="0"/>
-              <a:t>7/7/22</a:t>
+              <a:t>7/7/2022</a:t>
             </a:fld>
             <a:endParaRPr lang="en-US"/>
           </a:p>
@@ -1155,7 +1160,7 @@
           <a:p>
             <a:fld id="{2A08BEE5-79B0-F340-B6F2-0E83A35FAEDF}" type="datetimeFigureOut">
               <a:rPr lang="en-US" smtClean="0"/>
-              <a:t>7/7/22</a:t>
+              <a:t>7/7/2022</a:t>
             </a:fld>
             <a:endParaRPr lang="en-US"/>
           </a:p>
@@ -1423,7 +1428,7 @@
           <a:p>
             <a:fld id="{2A08BEE5-79B0-F340-B6F2-0E83A35FAEDF}" type="datetimeFigureOut">
               <a:rPr lang="en-US" smtClean="0"/>
-              <a:t>7/7/22</a:t>
+              <a:t>7/7/2022</a:t>
             </a:fld>
             <a:endParaRPr lang="en-US"/>
           </a:p>
@@ -1838,7 +1843,7 @@
           <a:p>
             <a:fld id="{2A08BEE5-79B0-F340-B6F2-0E83A35FAEDF}" type="datetimeFigureOut">
               <a:rPr lang="en-US" smtClean="0"/>
-              <a:t>7/7/22</a:t>
+              <a:t>7/7/2022</a:t>
             </a:fld>
             <a:endParaRPr lang="en-US"/>
           </a:p>
@@ -1980,7 +1985,7 @@
           <a:p>
             <a:fld id="{2A08BEE5-79B0-F340-B6F2-0E83A35FAEDF}" type="datetimeFigureOut">
               <a:rPr lang="en-US" smtClean="0"/>
-              <a:t>7/7/22</a:t>
+              <a:t>7/7/2022</a:t>
             </a:fld>
             <a:endParaRPr lang="en-US"/>
           </a:p>
@@ -2093,7 +2098,7 @@
           <a:p>
             <a:fld id="{2A08BEE5-79B0-F340-B6F2-0E83A35FAEDF}" type="datetimeFigureOut">
               <a:rPr lang="en-US" smtClean="0"/>
-              <a:t>7/7/22</a:t>
+              <a:t>7/7/2022</a:t>
             </a:fld>
             <a:endParaRPr lang="en-US"/>
           </a:p>
@@ -2406,7 +2411,7 @@
           <a:p>
             <a:fld id="{2A08BEE5-79B0-F340-B6F2-0E83A35FAEDF}" type="datetimeFigureOut">
               <a:rPr lang="en-US" smtClean="0"/>
-              <a:t>7/7/22</a:t>
+              <a:t>7/7/2022</a:t>
             </a:fld>
             <a:endParaRPr lang="en-US"/>
           </a:p>
@@ -2695,7 +2700,7 @@
           <a:p>
             <a:fld id="{2A08BEE5-79B0-F340-B6F2-0E83A35FAEDF}" type="datetimeFigureOut">
               <a:rPr lang="en-US" smtClean="0"/>
-              <a:t>7/7/22</a:t>
+              <a:t>7/7/2022</a:t>
             </a:fld>
             <a:endParaRPr lang="en-US"/>
           </a:p>
@@ -2938,7 +2943,7 @@
           <a:p>
             <a:fld id="{2A08BEE5-79B0-F340-B6F2-0E83A35FAEDF}" type="datetimeFigureOut">
               <a:rPr lang="en-US" smtClean="0"/>
-              <a:t>7/7/22</a:t>
+              <a:t>7/7/2022</a:t>
             </a:fld>
             <a:endParaRPr lang="en-US"/>
           </a:p>
@@ -4772,7 +4777,7 @@
             </a:r>
             <a:r>
               <a:rPr lang="en-US" sz="2800" dirty="0"/>
-              <a:t>, which has three (trainable) parameters. In NLP jargon, these three rotation angles can be viewed as “word embeddings”. The type of composed phases, like “your </a:t>
+              <a:t>, which has three (trainable) parameters. In NLP jargon, these three rotation angles can be viewed as “word embeddings”. The type of composed phrases, like “your </a:t>
             </a:r>
             <a:r>
               <a:rPr lang="en-US" sz="2800" dirty="0" err="1"/>
